--- a/diagram/rl_diagram.pptx
+++ b/diagram/rl_diagram.pptx
@@ -5,8 +5,9 @@
     <p:sldMasterId id="2147483684" r:id="rId1"/>
   </p:sldMasterIdLst>
   <p:sldIdLst>
-    <p:sldId id="424" r:id="rId2"/>
-    <p:sldId id="425" r:id="rId3"/>
+    <p:sldId id="425" r:id="rId2"/>
+    <p:sldId id="424" r:id="rId3"/>
+    <p:sldId id="428" r:id="rId4"/>
   </p:sldIdLst>
   <p:sldSz cx="12192000" cy="4114800"/>
   <p:notesSz cx="6858000" cy="9144000"/>
@@ -105,6 +106,11 @@
       </a:defRPr>
     </a:lvl9pPr>
   </p:defaultTextStyle>
+  <p:extLst>
+    <p:ext uri="{EFAFB233-063F-42B5-8137-9DF3F51BA10A}">
+      <p15:sldGuideLst xmlns:p15="http://schemas.microsoft.com/office/powerpoint/2012/main"/>
+    </p:ext>
+  </p:extLst>
 </p:presentation>
 </file>
 
@@ -239,7 +245,7 @@
           <a:p>
             <a:fld id="{F7957FE9-D73F-F242-95DE-0248EF419A62}" type="datetimeFigureOut">
               <a:rPr lang="en-US" smtClean="0"/>
-              <a:t>9/12/19</a:t>
+              <a:t>9/13/19</a:t>
             </a:fld>
             <a:endParaRPr lang="en-US"/>
           </a:p>
@@ -409,7 +415,7 @@
           <a:p>
             <a:fld id="{F7957FE9-D73F-F242-95DE-0248EF419A62}" type="datetimeFigureOut">
               <a:rPr lang="en-US" smtClean="0"/>
-              <a:t>9/12/19</a:t>
+              <a:t>9/13/19</a:t>
             </a:fld>
             <a:endParaRPr lang="en-US"/>
           </a:p>
@@ -589,7 +595,7 @@
           <a:p>
             <a:fld id="{F7957FE9-D73F-F242-95DE-0248EF419A62}" type="datetimeFigureOut">
               <a:rPr lang="en-US" smtClean="0"/>
-              <a:t>9/12/19</a:t>
+              <a:t>9/13/19</a:t>
             </a:fld>
             <a:endParaRPr lang="en-US"/>
           </a:p>
@@ -759,7 +765,7 @@
           <a:p>
             <a:fld id="{F7957FE9-D73F-F242-95DE-0248EF419A62}" type="datetimeFigureOut">
               <a:rPr lang="en-US" smtClean="0"/>
-              <a:t>9/12/19</a:t>
+              <a:t>9/13/19</a:t>
             </a:fld>
             <a:endParaRPr lang="en-US"/>
           </a:p>
@@ -1005,7 +1011,7 @@
           <a:p>
             <a:fld id="{F7957FE9-D73F-F242-95DE-0248EF419A62}" type="datetimeFigureOut">
               <a:rPr lang="en-US" smtClean="0"/>
-              <a:t>9/12/19</a:t>
+              <a:t>9/13/19</a:t>
             </a:fld>
             <a:endParaRPr lang="en-US"/>
           </a:p>
@@ -1237,7 +1243,7 @@
           <a:p>
             <a:fld id="{F7957FE9-D73F-F242-95DE-0248EF419A62}" type="datetimeFigureOut">
               <a:rPr lang="en-US" smtClean="0"/>
-              <a:t>9/12/19</a:t>
+              <a:t>9/13/19</a:t>
             </a:fld>
             <a:endParaRPr lang="en-US"/>
           </a:p>
@@ -1604,7 +1610,7 @@
           <a:p>
             <a:fld id="{F7957FE9-D73F-F242-95DE-0248EF419A62}" type="datetimeFigureOut">
               <a:rPr lang="en-US" smtClean="0"/>
-              <a:t>9/12/19</a:t>
+              <a:t>9/13/19</a:t>
             </a:fld>
             <a:endParaRPr lang="en-US"/>
           </a:p>
@@ -1722,7 +1728,7 @@
           <a:p>
             <a:fld id="{F7957FE9-D73F-F242-95DE-0248EF419A62}" type="datetimeFigureOut">
               <a:rPr lang="en-US" smtClean="0"/>
-              <a:t>9/12/19</a:t>
+              <a:t>9/13/19</a:t>
             </a:fld>
             <a:endParaRPr lang="en-US"/>
           </a:p>
@@ -1817,7 +1823,7 @@
           <a:p>
             <a:fld id="{F7957FE9-D73F-F242-95DE-0248EF419A62}" type="datetimeFigureOut">
               <a:rPr lang="en-US" smtClean="0"/>
-              <a:t>9/12/19</a:t>
+              <a:t>9/13/19</a:t>
             </a:fld>
             <a:endParaRPr lang="en-US"/>
           </a:p>
@@ -2094,7 +2100,7 @@
           <a:p>
             <a:fld id="{F7957FE9-D73F-F242-95DE-0248EF419A62}" type="datetimeFigureOut">
               <a:rPr lang="en-US" smtClean="0"/>
-              <a:t>9/12/19</a:t>
+              <a:t>9/13/19</a:t>
             </a:fld>
             <a:endParaRPr lang="en-US"/>
           </a:p>
@@ -2351,7 +2357,7 @@
           <a:p>
             <a:fld id="{F7957FE9-D73F-F242-95DE-0248EF419A62}" type="datetimeFigureOut">
               <a:rPr lang="en-US" smtClean="0"/>
-              <a:t>9/12/19</a:t>
+              <a:t>9/13/19</a:t>
             </a:fld>
             <a:endParaRPr lang="en-US"/>
           </a:p>
@@ -2564,7 +2570,7 @@
           <a:p>
             <a:fld id="{F7957FE9-D73F-F242-95DE-0248EF419A62}" type="datetimeFigureOut">
               <a:rPr lang="en-US" smtClean="0"/>
-              <a:t>9/12/19</a:t>
+              <a:t>9/13/19</a:t>
             </a:fld>
             <a:endParaRPr lang="en-US"/>
           </a:p>
@@ -3091,275 +3097,6 @@
                 <a:schemeClr val="tx1"/>
               </a:solidFill>
             </a:ln>
-          </p:spPr>
-          <p:style>
-            <a:lnRef idx="1">
-              <a:schemeClr val="accent1"/>
-            </a:lnRef>
-            <a:fillRef idx="3">
-              <a:schemeClr val="accent1"/>
-            </a:fillRef>
-            <a:effectRef idx="2">
-              <a:schemeClr val="accent1"/>
-            </a:effectRef>
-            <a:fontRef idx="minor">
-              <a:schemeClr val="lt1"/>
-            </a:fontRef>
-          </p:style>
-          <p:txBody>
-            <a:bodyPr rtlCol="0" anchor="ctr"/>
-            <a:lstStyle/>
-            <a:p>
-              <a:pPr algn="ctr"/>
-              <a:r>
-                <a:rPr lang="en-US" sz="3800" dirty="0">
-                  <a:solidFill>
-                    <a:schemeClr val="tx1"/>
-                  </a:solidFill>
-                  <a:latin typeface="Avenir Book"/>
-                  <a:cs typeface="Avenir Book"/>
-                </a:rPr>
-                <a:t>Screen</a:t>
-              </a:r>
-            </a:p>
-          </p:txBody>
-        </p:sp>
-        <p:sp>
-          <p:nvSpPr>
-            <p:cNvPr id="5" name="Rounded Rectangle 4">
-              <a:extLst>
-                <a:ext uri="{FF2B5EF4-FFF2-40B4-BE49-F238E27FC236}">
-                  <a16:creationId xmlns:a16="http://schemas.microsoft.com/office/drawing/2014/main" id="{DB148448-9FC6-D146-9C66-DA52548A4FBF}"/>
-                </a:ext>
-              </a:extLst>
-            </p:cNvPr>
-            <p:cNvSpPr/>
-            <p:nvPr/>
-          </p:nvSpPr>
-          <p:spPr>
-            <a:xfrm>
-              <a:off x="5145372" y="4081103"/>
-              <a:ext cx="1973842" cy="596681"/>
-            </a:xfrm>
-            <a:prstGeom prst="roundRect">
-              <a:avLst>
-                <a:gd name="adj" fmla="val 34617"/>
-              </a:avLst>
-            </a:prstGeom>
-            <a:solidFill>
-              <a:srgbClr val="FFE8AD"/>
-            </a:solidFill>
-            <a:ln w="28575" cmpd="sng">
-              <a:solidFill>
-                <a:schemeClr val="tx1"/>
-              </a:solidFill>
-            </a:ln>
-          </p:spPr>
-          <p:style>
-            <a:lnRef idx="1">
-              <a:schemeClr val="accent1"/>
-            </a:lnRef>
-            <a:fillRef idx="3">
-              <a:schemeClr val="accent1"/>
-            </a:fillRef>
-            <a:effectRef idx="2">
-              <a:schemeClr val="accent1"/>
-            </a:effectRef>
-            <a:fontRef idx="minor">
-              <a:schemeClr val="lt1"/>
-            </a:fontRef>
-          </p:style>
-          <p:txBody>
-            <a:bodyPr rtlCol="0" anchor="ctr"/>
-            <a:lstStyle/>
-            <a:p>
-              <a:pPr algn="ctr"/>
-              <a:r>
-                <a:rPr lang="en-US" sz="3800" dirty="0">
-                  <a:solidFill>
-                    <a:schemeClr val="tx1"/>
-                  </a:solidFill>
-                  <a:latin typeface="Avenir Book"/>
-                  <a:cs typeface="Avenir Book"/>
-                </a:rPr>
-                <a:t>You</a:t>
-              </a:r>
-            </a:p>
-          </p:txBody>
-        </p:sp>
-        <p:sp>
-          <p:nvSpPr>
-            <p:cNvPr id="6" name="TextBox 5">
-              <a:extLst>
-                <a:ext uri="{FF2B5EF4-FFF2-40B4-BE49-F238E27FC236}">
-                  <a16:creationId xmlns:a16="http://schemas.microsoft.com/office/drawing/2014/main" id="{A9E2BB19-20F9-134E-B2B0-6174C7F854CE}"/>
-                </a:ext>
-              </a:extLst>
-            </p:cNvPr>
-            <p:cNvSpPr txBox="1"/>
-            <p:nvPr/>
-          </p:nvSpPr>
-          <p:spPr>
-            <a:xfrm>
-              <a:off x="8817637" y="3076361"/>
-              <a:ext cx="2112778" cy="376217"/>
-            </a:xfrm>
-            <a:prstGeom prst="rect">
-              <a:avLst/>
-            </a:prstGeom>
-            <a:noFill/>
-          </p:spPr>
-          <p:txBody>
-            <a:bodyPr wrap="square" rtlCol="0">
-              <a:spAutoFit/>
-            </a:bodyPr>
-            <a:lstStyle/>
-            <a:p>
-              <a:r>
-                <a:rPr lang="en-US" sz="2600" dirty="0">
-                  <a:latin typeface="Avenir Book"/>
-                  <a:cs typeface="Avenir Book"/>
-                </a:rPr>
-                <a:t>Move paddle</a:t>
-              </a:r>
-            </a:p>
-          </p:txBody>
-        </p:sp>
-        <p:sp>
-          <p:nvSpPr>
-            <p:cNvPr id="7" name="TextBox 6">
-              <a:extLst>
-                <a:ext uri="{FF2B5EF4-FFF2-40B4-BE49-F238E27FC236}">
-                  <a16:creationId xmlns:a16="http://schemas.microsoft.com/office/drawing/2014/main" id="{3F23C582-5ED7-AA4A-BCA6-2DCC73F90867}"/>
-                </a:ext>
-              </a:extLst>
-            </p:cNvPr>
-            <p:cNvSpPr txBox="1"/>
-            <p:nvPr/>
-          </p:nvSpPr>
-          <p:spPr>
-            <a:xfrm>
-              <a:off x="684618" y="2705632"/>
-              <a:ext cx="2803884" cy="840903"/>
-            </a:xfrm>
-            <a:prstGeom prst="rect">
-              <a:avLst/>
-            </a:prstGeom>
-            <a:noFill/>
-          </p:spPr>
-          <p:txBody>
-            <a:bodyPr wrap="square" rtlCol="0">
-              <a:spAutoFit/>
-            </a:bodyPr>
-            <a:lstStyle/>
-            <a:p>
-              <a:pPr algn="r">
-                <a:lnSpc>
-                  <a:spcPct val="130000"/>
-                </a:lnSpc>
-              </a:pPr>
-              <a:r>
-                <a:rPr lang="en-US" sz="2600" dirty="0">
-                  <a:latin typeface="Avenir Book"/>
-                  <a:cs typeface="Avenir Book"/>
-                </a:rPr>
-                <a:t>Ball, bricks, paddle</a:t>
-              </a:r>
-            </a:p>
-            <a:p>
-              <a:pPr algn="r">
-                <a:lnSpc>
-                  <a:spcPct val="130000"/>
-                </a:lnSpc>
-              </a:pPr>
-              <a:r>
-                <a:rPr lang="en-US" sz="2600" dirty="0">
-                  <a:latin typeface="Avenir Book"/>
-                  <a:cs typeface="Avenir Book"/>
-                </a:rPr>
-                <a:t>Points, lives</a:t>
-              </a:r>
-            </a:p>
-          </p:txBody>
-        </p:sp>
-      </p:grpSp>
-    </p:spTree>
-    <p:extLst>
-      <p:ext uri="{BB962C8B-B14F-4D97-AF65-F5344CB8AC3E}">
-        <p14:creationId xmlns:p14="http://schemas.microsoft.com/office/powerpoint/2010/main" val="2549010586"/>
-      </p:ext>
-    </p:extLst>
-  </p:cSld>
-  <p:clrMapOvr>
-    <a:masterClrMapping/>
-  </p:clrMapOvr>
-</p:sld>
-</file>
-
-<file path=ppt/slides/slide2.xml><?xml version="1.0" encoding="utf-8"?>
-<p:sld xmlns:a="http://schemas.openxmlformats.org/drawingml/2006/main" xmlns:r="http://schemas.openxmlformats.org/officeDocument/2006/relationships" xmlns:p="http://schemas.openxmlformats.org/presentationml/2006/main">
-  <p:cSld>
-    <p:spTree>
-      <p:nvGrpSpPr>
-        <p:cNvPr id="1" name=""/>
-        <p:cNvGrpSpPr/>
-        <p:nvPr/>
-      </p:nvGrpSpPr>
-      <p:grpSpPr>
-        <a:xfrm>
-          <a:off x="0" y="0"/>
-          <a:ext cx="0" cy="0"/>
-          <a:chOff x="0" y="0"/>
-          <a:chExt cx="0" cy="0"/>
-        </a:xfrm>
-      </p:grpSpPr>
-      <p:grpSp>
-        <p:nvGrpSpPr>
-          <p:cNvPr id="8" name="Group 7">
-            <a:extLst>
-              <a:ext uri="{FF2B5EF4-FFF2-40B4-BE49-F238E27FC236}">
-                <a16:creationId xmlns:a16="http://schemas.microsoft.com/office/drawing/2014/main" id="{D5F147B0-E799-364E-A499-C5E7C6727F30}"/>
-              </a:ext>
-            </a:extLst>
-          </p:cNvPr>
-          <p:cNvGrpSpPr/>
-          <p:nvPr/>
-        </p:nvGrpSpPr>
-        <p:grpSpPr>
-          <a:xfrm>
-            <a:off x="-315311" y="253330"/>
-            <a:ext cx="12822621" cy="3587119"/>
-            <a:chOff x="684618" y="1937295"/>
-            <a:chExt cx="10245797" cy="2740489"/>
-          </a:xfrm>
-        </p:grpSpPr>
-        <p:pic>
-          <p:nvPicPr>
-            <p:cNvPr id="2" name="Picture 1">
-              <a:extLst>
-                <a:ext uri="{FF2B5EF4-FFF2-40B4-BE49-F238E27FC236}">
-                  <a16:creationId xmlns:a16="http://schemas.microsoft.com/office/drawing/2014/main" id="{2A4C889B-C2F5-184A-BD8D-E6E5EA351CC2}"/>
-                </a:ext>
-              </a:extLst>
-            </p:cNvPr>
-            <p:cNvPicPr>
-              <a:picLocks noChangeAspect="1"/>
-            </p:cNvPicPr>
-            <p:nvPr/>
-          </p:nvPicPr>
-          <p:blipFill rotWithShape="1">
-            <a:blip r:embed="rId2"/>
-            <a:srcRect b="33475"/>
-            <a:stretch/>
-          </p:blipFill>
-          <p:spPr>
-            <a:xfrm rot="3579618">
-              <a:off x="6675408" y="2285998"/>
-              <a:ext cx="2188736" cy="1798288"/>
-            </a:xfrm>
-            <a:prstGeom prst="rect">
-              <a:avLst/>
-            </a:prstGeom>
             <a:effectLst>
               <a:outerShdw blurRad="50800" dist="38100" dir="2700000" algn="tl" rotWithShape="0">
                 <a:prstClr val="black">
@@ -3367,74 +3104,6 @@
                 </a:prstClr>
               </a:outerShdw>
             </a:effectLst>
-          </p:spPr>
-        </p:pic>
-        <p:pic>
-          <p:nvPicPr>
-            <p:cNvPr id="3" name="Picture 2">
-              <a:extLst>
-                <a:ext uri="{FF2B5EF4-FFF2-40B4-BE49-F238E27FC236}">
-                  <a16:creationId xmlns:a16="http://schemas.microsoft.com/office/drawing/2014/main" id="{CAD73902-5A51-D647-8ADA-83DE03939C8E}"/>
-                </a:ext>
-              </a:extLst>
-            </p:cNvPr>
-            <p:cNvPicPr>
-              <a:picLocks noChangeAspect="1"/>
-            </p:cNvPicPr>
-            <p:nvPr/>
-          </p:nvPicPr>
-          <p:blipFill rotWithShape="1">
-            <a:blip r:embed="rId2"/>
-            <a:srcRect b="33475"/>
-            <a:stretch/>
-          </p:blipFill>
-          <p:spPr>
-            <a:xfrm rot="3654439" flipH="1" flipV="1">
-              <a:off x="3425931" y="2577264"/>
-              <a:ext cx="2188602" cy="1798178"/>
-            </a:xfrm>
-            <a:prstGeom prst="rect">
-              <a:avLst/>
-            </a:prstGeom>
-            <a:effectLst>
-              <a:outerShdw blurRad="50800" dist="38100" dir="2700000" algn="tl" rotWithShape="0">
-                <a:prstClr val="black">
-                  <a:alpha val="40000"/>
-                </a:prstClr>
-              </a:outerShdw>
-            </a:effectLst>
-          </p:spPr>
-        </p:pic>
-        <p:sp>
-          <p:nvSpPr>
-            <p:cNvPr id="4" name="Rounded Rectangle 3">
-              <a:extLst>
-                <a:ext uri="{FF2B5EF4-FFF2-40B4-BE49-F238E27FC236}">
-                  <a16:creationId xmlns:a16="http://schemas.microsoft.com/office/drawing/2014/main" id="{AA066274-AFE1-CB42-8F1C-CDA7676CB43B}"/>
-                </a:ext>
-              </a:extLst>
-            </p:cNvPr>
-            <p:cNvSpPr/>
-            <p:nvPr/>
-          </p:nvSpPr>
-          <p:spPr>
-            <a:xfrm>
-              <a:off x="5145372" y="1937295"/>
-              <a:ext cx="1973842" cy="596681"/>
-            </a:xfrm>
-            <a:prstGeom prst="roundRect">
-              <a:avLst>
-                <a:gd name="adj" fmla="val 34617"/>
-              </a:avLst>
-            </a:prstGeom>
-            <a:solidFill>
-              <a:srgbClr val="FFE8AD"/>
-            </a:solidFill>
-            <a:ln w="28575" cmpd="sng">
-              <a:solidFill>
-                <a:schemeClr val="tx1"/>
-              </a:solidFill>
-            </a:ln>
           </p:spPr>
           <p:style>
             <a:lnRef idx="1">
@@ -3498,6 +3167,13 @@
                 <a:schemeClr val="tx1"/>
               </a:solidFill>
             </a:ln>
+            <a:effectLst>
+              <a:outerShdw blurRad="50800" dist="38100" dir="2700000" algn="tl" rotWithShape="0">
+                <a:prstClr val="black">
+                  <a:alpha val="40000"/>
+                </a:prstClr>
+              </a:outerShdw>
+            </a:effectLst>
           </p:spPr>
           <p:style>
             <a:lnRef idx="1">
@@ -3545,8 +3221,8 @@
           </p:nvSpPr>
           <p:spPr>
             <a:xfrm>
-              <a:off x="8817637" y="3076361"/>
-              <a:ext cx="2112778" cy="376217"/>
+              <a:off x="8817637" y="3097215"/>
+              <a:ext cx="2112778" cy="446757"/>
             </a:xfrm>
             <a:prstGeom prst="rect">
               <a:avLst/>
@@ -3560,7 +3236,7 @@
             <a:lstStyle/>
             <a:p>
               <a:r>
-                <a:rPr lang="en-US" sz="2600" dirty="0">
+                <a:rPr lang="en-US" sz="3200" dirty="0">
                   <a:latin typeface="Avenir Book"/>
                   <a:cs typeface="Avenir Book"/>
                 </a:rPr>
@@ -3583,8 +3259,8 @@
           </p:nvSpPr>
           <p:spPr>
             <a:xfrm>
-              <a:off x="684618" y="2705632"/>
-              <a:ext cx="2803884" cy="840903"/>
+              <a:off x="684618" y="2778621"/>
+              <a:ext cx="2803884" cy="1018724"/>
             </a:xfrm>
             <a:prstGeom prst="rect">
               <a:avLst/>
@@ -3603,7 +3279,7 @@
                 </a:lnSpc>
               </a:pPr>
               <a:r>
-                <a:rPr lang="en-US" sz="2600" dirty="0">
+                <a:rPr lang="en-US" sz="3200" dirty="0">
                   <a:latin typeface="Avenir Book"/>
                   <a:cs typeface="Avenir Book"/>
                 </a:rPr>
@@ -3617,7 +3293,7 @@
                 </a:lnSpc>
               </a:pPr>
               <a:r>
-                <a:rPr lang="en-US" sz="2600" dirty="0">
+                <a:rPr lang="en-US" sz="3200" dirty="0">
                   <a:latin typeface="Avenir Book"/>
                   <a:cs typeface="Avenir Book"/>
                 </a:rPr>
@@ -3631,6 +3307,1145 @@
     <p:extLst>
       <p:ext uri="{BB962C8B-B14F-4D97-AF65-F5344CB8AC3E}">
         <p14:creationId xmlns:p14="http://schemas.microsoft.com/office/powerpoint/2010/main" val="1200433006"/>
+      </p:ext>
+    </p:extLst>
+  </p:cSld>
+  <p:clrMapOvr>
+    <a:masterClrMapping/>
+  </p:clrMapOvr>
+</p:sld>
+</file>
+
+<file path=ppt/slides/slide2.xml><?xml version="1.0" encoding="utf-8"?>
+<p:sld xmlns:a="http://schemas.openxmlformats.org/drawingml/2006/main" xmlns:r="http://schemas.openxmlformats.org/officeDocument/2006/relationships" xmlns:p="http://schemas.openxmlformats.org/presentationml/2006/main">
+  <p:cSld>
+    <p:spTree>
+      <p:nvGrpSpPr>
+        <p:cNvPr id="1" name=""/>
+        <p:cNvGrpSpPr/>
+        <p:nvPr/>
+      </p:nvGrpSpPr>
+      <p:grpSpPr>
+        <a:xfrm>
+          <a:off x="0" y="0"/>
+          <a:ext cx="0" cy="0"/>
+          <a:chOff x="0" y="0"/>
+          <a:chExt cx="0" cy="0"/>
+        </a:xfrm>
+      </p:grpSpPr>
+      <p:grpSp>
+        <p:nvGrpSpPr>
+          <p:cNvPr id="32" name="Group 31">
+            <a:extLst>
+              <a:ext uri="{FF2B5EF4-FFF2-40B4-BE49-F238E27FC236}">
+                <a16:creationId xmlns:a16="http://schemas.microsoft.com/office/drawing/2014/main" id="{97FBF485-1F70-004B-A65D-03166C21C2EA}"/>
+              </a:ext>
+            </a:extLst>
+          </p:cNvPr>
+          <p:cNvGrpSpPr/>
+          <p:nvPr/>
+        </p:nvGrpSpPr>
+        <p:grpSpPr>
+          <a:xfrm>
+            <a:off x="-315311" y="253330"/>
+            <a:ext cx="12822621" cy="3587119"/>
+            <a:chOff x="684618" y="1937295"/>
+            <a:chExt cx="10245797" cy="2740489"/>
+          </a:xfrm>
+        </p:grpSpPr>
+        <p:pic>
+          <p:nvPicPr>
+            <p:cNvPr id="33" name="Picture 32">
+              <a:extLst>
+                <a:ext uri="{FF2B5EF4-FFF2-40B4-BE49-F238E27FC236}">
+                  <a16:creationId xmlns:a16="http://schemas.microsoft.com/office/drawing/2014/main" id="{9CCD4B2C-2216-F944-A7B7-BAA81076FE42}"/>
+                </a:ext>
+              </a:extLst>
+            </p:cNvPr>
+            <p:cNvPicPr>
+              <a:picLocks noChangeAspect="1"/>
+            </p:cNvPicPr>
+            <p:nvPr/>
+          </p:nvPicPr>
+          <p:blipFill rotWithShape="1">
+            <a:blip r:embed="rId2"/>
+            <a:srcRect b="33475"/>
+            <a:stretch/>
+          </p:blipFill>
+          <p:spPr>
+            <a:xfrm rot="3579618">
+              <a:off x="6675408" y="2285998"/>
+              <a:ext cx="2188736" cy="1798288"/>
+            </a:xfrm>
+            <a:prstGeom prst="rect">
+              <a:avLst/>
+            </a:prstGeom>
+            <a:effectLst>
+              <a:outerShdw blurRad="50800" dist="38100" dir="2700000" algn="tl" rotWithShape="0">
+                <a:prstClr val="black">
+                  <a:alpha val="40000"/>
+                </a:prstClr>
+              </a:outerShdw>
+            </a:effectLst>
+          </p:spPr>
+        </p:pic>
+        <p:pic>
+          <p:nvPicPr>
+            <p:cNvPr id="34" name="Picture 33">
+              <a:extLst>
+                <a:ext uri="{FF2B5EF4-FFF2-40B4-BE49-F238E27FC236}">
+                  <a16:creationId xmlns:a16="http://schemas.microsoft.com/office/drawing/2014/main" id="{CBD22A5A-BB3C-6145-A068-AF014335F030}"/>
+                </a:ext>
+              </a:extLst>
+            </p:cNvPr>
+            <p:cNvPicPr>
+              <a:picLocks noChangeAspect="1"/>
+            </p:cNvPicPr>
+            <p:nvPr/>
+          </p:nvPicPr>
+          <p:blipFill rotWithShape="1">
+            <a:blip r:embed="rId2"/>
+            <a:srcRect b="33475"/>
+            <a:stretch/>
+          </p:blipFill>
+          <p:spPr>
+            <a:xfrm rot="3654439" flipH="1" flipV="1">
+              <a:off x="3425931" y="2577264"/>
+              <a:ext cx="2188602" cy="1798178"/>
+            </a:xfrm>
+            <a:prstGeom prst="rect">
+              <a:avLst/>
+            </a:prstGeom>
+            <a:effectLst>
+              <a:outerShdw blurRad="50800" dist="38100" dir="2700000" algn="tl" rotWithShape="0">
+                <a:prstClr val="black">
+                  <a:alpha val="40000"/>
+                </a:prstClr>
+              </a:outerShdw>
+            </a:effectLst>
+          </p:spPr>
+        </p:pic>
+        <p:sp>
+          <p:nvSpPr>
+            <p:cNvPr id="35" name="Rounded Rectangle 34">
+              <a:extLst>
+                <a:ext uri="{FF2B5EF4-FFF2-40B4-BE49-F238E27FC236}">
+                  <a16:creationId xmlns:a16="http://schemas.microsoft.com/office/drawing/2014/main" id="{F257113E-EE68-8047-B5C0-D169EE0AF806}"/>
+                </a:ext>
+              </a:extLst>
+            </p:cNvPr>
+            <p:cNvSpPr/>
+            <p:nvPr/>
+          </p:nvSpPr>
+          <p:spPr>
+            <a:xfrm>
+              <a:off x="5145372" y="1937295"/>
+              <a:ext cx="1973842" cy="596681"/>
+            </a:xfrm>
+            <a:prstGeom prst="roundRect">
+              <a:avLst>
+                <a:gd name="adj" fmla="val 34617"/>
+              </a:avLst>
+            </a:prstGeom>
+            <a:solidFill>
+              <a:srgbClr val="FFE8AD"/>
+            </a:solidFill>
+            <a:ln w="28575" cmpd="sng">
+              <a:solidFill>
+                <a:schemeClr val="tx1"/>
+              </a:solidFill>
+            </a:ln>
+            <a:effectLst>
+              <a:outerShdw blurRad="50800" dist="38100" dir="2700000" algn="tl" rotWithShape="0">
+                <a:prstClr val="black">
+                  <a:alpha val="40000"/>
+                </a:prstClr>
+              </a:outerShdw>
+            </a:effectLst>
+          </p:spPr>
+          <p:style>
+            <a:lnRef idx="1">
+              <a:schemeClr val="accent1"/>
+            </a:lnRef>
+            <a:fillRef idx="3">
+              <a:schemeClr val="accent1"/>
+            </a:fillRef>
+            <a:effectRef idx="2">
+              <a:schemeClr val="accent1"/>
+            </a:effectRef>
+            <a:fontRef idx="minor">
+              <a:schemeClr val="lt1"/>
+            </a:fontRef>
+          </p:style>
+          <p:txBody>
+            <a:bodyPr rtlCol="0" anchor="ctr"/>
+            <a:lstStyle/>
+            <a:p>
+              <a:pPr algn="ctr"/>
+              <a:r>
+                <a:rPr lang="en-US" sz="3800" dirty="0">
+                  <a:solidFill>
+                    <a:schemeClr val="tx1"/>
+                  </a:solidFill>
+                  <a:latin typeface="Avenir Book"/>
+                  <a:cs typeface="Avenir Book"/>
+                </a:rPr>
+                <a:t>World</a:t>
+              </a:r>
+            </a:p>
+          </p:txBody>
+        </p:sp>
+        <p:sp>
+          <p:nvSpPr>
+            <p:cNvPr id="36" name="Rounded Rectangle 35">
+              <a:extLst>
+                <a:ext uri="{FF2B5EF4-FFF2-40B4-BE49-F238E27FC236}">
+                  <a16:creationId xmlns:a16="http://schemas.microsoft.com/office/drawing/2014/main" id="{76021C39-D4A3-B84F-8388-538B8BDD3E54}"/>
+                </a:ext>
+              </a:extLst>
+            </p:cNvPr>
+            <p:cNvSpPr/>
+            <p:nvPr/>
+          </p:nvSpPr>
+          <p:spPr>
+            <a:xfrm>
+              <a:off x="5145372" y="4081103"/>
+              <a:ext cx="1973842" cy="596681"/>
+            </a:xfrm>
+            <a:prstGeom prst="roundRect">
+              <a:avLst>
+                <a:gd name="adj" fmla="val 34617"/>
+              </a:avLst>
+            </a:prstGeom>
+            <a:solidFill>
+              <a:srgbClr val="FFE8AD"/>
+            </a:solidFill>
+            <a:ln w="28575" cmpd="sng">
+              <a:solidFill>
+                <a:schemeClr val="tx1"/>
+              </a:solidFill>
+            </a:ln>
+            <a:effectLst>
+              <a:outerShdw blurRad="50800" dist="38100" dir="2700000" algn="tl" rotWithShape="0">
+                <a:prstClr val="black">
+                  <a:alpha val="40000"/>
+                </a:prstClr>
+              </a:outerShdw>
+            </a:effectLst>
+          </p:spPr>
+          <p:style>
+            <a:lnRef idx="1">
+              <a:schemeClr val="accent1"/>
+            </a:lnRef>
+            <a:fillRef idx="3">
+              <a:schemeClr val="accent1"/>
+            </a:fillRef>
+            <a:effectRef idx="2">
+              <a:schemeClr val="accent1"/>
+            </a:effectRef>
+            <a:fontRef idx="minor">
+              <a:schemeClr val="lt1"/>
+            </a:fontRef>
+          </p:style>
+          <p:txBody>
+            <a:bodyPr rtlCol="0" anchor="ctr"/>
+            <a:lstStyle/>
+            <a:p>
+              <a:pPr algn="ctr"/>
+              <a:r>
+                <a:rPr lang="en-US" sz="3800" dirty="0">
+                  <a:solidFill>
+                    <a:schemeClr val="tx1"/>
+                  </a:solidFill>
+                  <a:latin typeface="Avenir Book"/>
+                  <a:cs typeface="Avenir Book"/>
+                </a:rPr>
+                <a:t>Agent</a:t>
+              </a:r>
+            </a:p>
+          </p:txBody>
+        </p:sp>
+        <p:sp>
+          <p:nvSpPr>
+            <p:cNvPr id="37" name="TextBox 36">
+              <a:extLst>
+                <a:ext uri="{FF2B5EF4-FFF2-40B4-BE49-F238E27FC236}">
+                  <a16:creationId xmlns:a16="http://schemas.microsoft.com/office/drawing/2014/main" id="{FA3478CC-BF8B-6448-9325-4D7535C5B1AC}"/>
+                </a:ext>
+              </a:extLst>
+            </p:cNvPr>
+            <p:cNvSpPr txBox="1"/>
+            <p:nvPr/>
+          </p:nvSpPr>
+          <p:spPr>
+            <a:xfrm>
+              <a:off x="8817637" y="3097215"/>
+              <a:ext cx="2112778" cy="446757"/>
+            </a:xfrm>
+            <a:prstGeom prst="rect">
+              <a:avLst/>
+            </a:prstGeom>
+            <a:noFill/>
+          </p:spPr>
+          <p:txBody>
+            <a:bodyPr wrap="square" rtlCol="0">
+              <a:spAutoFit/>
+            </a:bodyPr>
+            <a:lstStyle/>
+            <a:p>
+              <a:r>
+                <a:rPr lang="en-US" sz="3200" dirty="0">
+                  <a:latin typeface="Avenir Book"/>
+                  <a:cs typeface="Avenir Book"/>
+                </a:rPr>
+                <a:t>Action</a:t>
+              </a:r>
+            </a:p>
+          </p:txBody>
+        </p:sp>
+        <p:sp>
+          <p:nvSpPr>
+            <p:cNvPr id="38" name="TextBox 37">
+              <a:extLst>
+                <a:ext uri="{FF2B5EF4-FFF2-40B4-BE49-F238E27FC236}">
+                  <a16:creationId xmlns:a16="http://schemas.microsoft.com/office/drawing/2014/main" id="{07DEBF49-18A6-DF4E-933B-8287FD1E31BB}"/>
+                </a:ext>
+              </a:extLst>
+            </p:cNvPr>
+            <p:cNvSpPr txBox="1"/>
+            <p:nvPr/>
+          </p:nvSpPr>
+          <p:spPr>
+            <a:xfrm>
+              <a:off x="684618" y="2778621"/>
+              <a:ext cx="2803884" cy="1018724"/>
+            </a:xfrm>
+            <a:prstGeom prst="rect">
+              <a:avLst/>
+            </a:prstGeom>
+            <a:noFill/>
+          </p:spPr>
+          <p:txBody>
+            <a:bodyPr wrap="square" rtlCol="0">
+              <a:spAutoFit/>
+            </a:bodyPr>
+            <a:lstStyle/>
+            <a:p>
+              <a:pPr algn="r">
+                <a:lnSpc>
+                  <a:spcPct val="130000"/>
+                </a:lnSpc>
+              </a:pPr>
+              <a:r>
+                <a:rPr lang="en-US" sz="3200" dirty="0">
+                  <a:latin typeface="Avenir Book"/>
+                  <a:cs typeface="Avenir Book"/>
+                </a:rPr>
+                <a:t>Observation</a:t>
+              </a:r>
+            </a:p>
+            <a:p>
+              <a:pPr algn="r">
+                <a:lnSpc>
+                  <a:spcPct val="130000"/>
+                </a:lnSpc>
+              </a:pPr>
+              <a:r>
+                <a:rPr lang="en-US" sz="3200" dirty="0">
+                  <a:latin typeface="Avenir Book"/>
+                  <a:cs typeface="Avenir Book"/>
+                </a:rPr>
+                <a:t>Reward</a:t>
+              </a:r>
+            </a:p>
+          </p:txBody>
+        </p:sp>
+      </p:grpSp>
+      <p:pic>
+        <p:nvPicPr>
+          <p:cNvPr id="9" name="Picture 8">
+            <a:extLst>
+              <a:ext uri="{FF2B5EF4-FFF2-40B4-BE49-F238E27FC236}">
+                <a16:creationId xmlns:a16="http://schemas.microsoft.com/office/drawing/2014/main" id="{0D8807DA-F811-A440-B63D-5A69782526ED}"/>
+              </a:ext>
+            </a:extLst>
+          </p:cNvPr>
+          <p:cNvPicPr>
+            <a:picLocks noChangeAspect="1"/>
+          </p:cNvPicPr>
+          <p:nvPr/>
+        </p:nvPicPr>
+        <p:blipFill>
+          <a:blip r:embed="rId3">
+            <a:extLst>
+              <a:ext uri="{BEBA8EAE-BF5A-486C-A8C5-ECC9F3942E4B}">
+                <a14:imgProps xmlns:a14="http://schemas.microsoft.com/office/drawing/2010/main">
+                  <a14:imgLayer r:embed="rId4">
+                    <a14:imgEffect>
+                      <a14:backgroundRemoval t="10000" b="90000" l="10000" r="90000"/>
+                    </a14:imgEffect>
+                  </a14:imgLayer>
+                </a14:imgProps>
+              </a:ext>
+            </a:extLst>
+          </a:blip>
+          <a:stretch>
+            <a:fillRect/>
+          </a:stretch>
+        </p:blipFill>
+        <p:spPr>
+          <a:xfrm rot="20943452">
+            <a:off x="4097721" y="52532"/>
+            <a:ext cx="3311514" cy="3540772"/>
+          </a:xfrm>
+          <a:prstGeom prst="rect">
+            <a:avLst/>
+          </a:prstGeom>
+          <a:effectLst>
+            <a:outerShdw blurRad="50800" dist="38100" dir="2700000" algn="tl" rotWithShape="0">
+              <a:prstClr val="black">
+                <a:alpha val="40000"/>
+              </a:prstClr>
+            </a:outerShdw>
+          </a:effectLst>
+        </p:spPr>
+      </p:pic>
+      <p:pic>
+        <p:nvPicPr>
+          <p:cNvPr id="10" name="Picture 9">
+            <a:extLst>
+              <a:ext uri="{FF2B5EF4-FFF2-40B4-BE49-F238E27FC236}">
+                <a16:creationId xmlns:a16="http://schemas.microsoft.com/office/drawing/2014/main" id="{D7C429B5-7CBF-4C4A-8526-36B7BFDF8D76}"/>
+              </a:ext>
+            </a:extLst>
+          </p:cNvPr>
+          <p:cNvPicPr>
+            <a:picLocks noChangeAspect="1"/>
+          </p:cNvPicPr>
+          <p:nvPr/>
+        </p:nvPicPr>
+        <p:blipFill>
+          <a:blip r:embed="rId5">
+            <a:extLst>
+              <a:ext uri="{BEBA8EAE-BF5A-486C-A8C5-ECC9F3942E4B}">
+                <a14:imgProps xmlns:a14="http://schemas.microsoft.com/office/drawing/2010/main">
+                  <a14:imgLayer r:embed="rId6">
+                    <a14:imgEffect>
+                      <a14:backgroundRemoval t="10000" b="90000" l="10000" r="90000"/>
+                    </a14:imgEffect>
+                  </a14:imgLayer>
+                </a14:imgProps>
+              </a:ext>
+            </a:extLst>
+          </a:blip>
+          <a:stretch>
+            <a:fillRect/>
+          </a:stretch>
+        </p:blipFill>
+        <p:spPr>
+          <a:xfrm rot="975443">
+            <a:off x="6328116" y="1270733"/>
+            <a:ext cx="4237673" cy="2641483"/>
+          </a:xfrm>
+          <a:prstGeom prst="rect">
+            <a:avLst/>
+          </a:prstGeom>
+          <a:effectLst>
+            <a:outerShdw blurRad="50800" dist="38100" dir="2700000" algn="tl" rotWithShape="0">
+              <a:prstClr val="black">
+                <a:alpha val="40000"/>
+              </a:prstClr>
+            </a:outerShdw>
+          </a:effectLst>
+        </p:spPr>
+      </p:pic>
+      <p:pic>
+        <p:nvPicPr>
+          <p:cNvPr id="14" name="Picture 13">
+            <a:extLst>
+              <a:ext uri="{FF2B5EF4-FFF2-40B4-BE49-F238E27FC236}">
+                <a16:creationId xmlns:a16="http://schemas.microsoft.com/office/drawing/2014/main" id="{68DBAC1B-871C-CB44-9EBD-30CEF1F93D8A}"/>
+              </a:ext>
+            </a:extLst>
+          </p:cNvPr>
+          <p:cNvPicPr>
+            <a:picLocks noChangeAspect="1"/>
+          </p:cNvPicPr>
+          <p:nvPr/>
+        </p:nvPicPr>
+        <p:blipFill rotWithShape="1">
+          <a:blip r:embed="rId7">
+            <a:extLst>
+              <a:ext uri="{BEBA8EAE-BF5A-486C-A8C5-ECC9F3942E4B}">
+                <a14:imgProps xmlns:a14="http://schemas.microsoft.com/office/drawing/2010/main">
+                  <a14:imgLayer r:embed="rId8">
+                    <a14:imgEffect>
+                      <a14:backgroundRemoval t="8068" b="26070" l="7895" r="29988"/>
+                    </a14:imgEffect>
+                  </a14:imgLayer>
+                </a14:imgProps>
+              </a:ext>
+            </a:extLst>
+          </a:blip>
+          <a:srcRect l="5133" t="5818" r="67250" b="71680"/>
+          <a:stretch/>
+        </p:blipFill>
+        <p:spPr>
+          <a:xfrm>
+            <a:off x="9834941" y="2373214"/>
+            <a:ext cx="1233391" cy="394796"/>
+          </a:xfrm>
+          <a:prstGeom prst="rect">
+            <a:avLst/>
+          </a:prstGeom>
+          <a:effectLst>
+            <a:outerShdw blurRad="50800" dist="38100" dir="2700000" algn="tl" rotWithShape="0">
+              <a:prstClr val="black">
+                <a:alpha val="40000"/>
+              </a:prstClr>
+            </a:outerShdw>
+          </a:effectLst>
+        </p:spPr>
+      </p:pic>
+      <p:pic>
+        <p:nvPicPr>
+          <p:cNvPr id="15" name="Picture 14">
+            <a:extLst>
+              <a:ext uri="{FF2B5EF4-FFF2-40B4-BE49-F238E27FC236}">
+                <a16:creationId xmlns:a16="http://schemas.microsoft.com/office/drawing/2014/main" id="{6079134E-071E-6142-9187-3A3CBE8AC236}"/>
+              </a:ext>
+            </a:extLst>
+          </p:cNvPr>
+          <p:cNvPicPr>
+            <a:picLocks noChangeAspect="1"/>
+          </p:cNvPicPr>
+          <p:nvPr/>
+        </p:nvPicPr>
+        <p:blipFill rotWithShape="1">
+          <a:blip r:embed="rId9">
+            <a:extLst>
+              <a:ext uri="{BEBA8EAE-BF5A-486C-A8C5-ECC9F3942E4B}">
+                <a14:imgProps xmlns:a14="http://schemas.microsoft.com/office/drawing/2010/main">
+                  <a14:imgLayer r:embed="rId10">
+                    <a14:imgEffect>
+                      <a14:backgroundRemoval t="1296" b="90741" l="10000" r="90000">
+                        <a14:foregroundMark x1="42857" y1="87037" x2="42857" y2="87037"/>
+                        <a14:foregroundMark x1="50571" y1="88056" x2="50571" y2="88056"/>
+                        <a14:foregroundMark x1="44286" y1="90741" x2="44286" y2="90741"/>
+                        <a14:foregroundMark x1="47143" y1="2685" x2="47143" y2="2685"/>
+                        <a14:foregroundMark x1="48143" y1="1296" x2="48143" y2="1296"/>
+                      </a14:backgroundRemoval>
+                    </a14:imgEffect>
+                    <a14:imgEffect>
+                      <a14:artisticPaintStrokes/>
+                    </a14:imgEffect>
+                  </a14:imgLayer>
+                </a14:imgProps>
+              </a:ext>
+            </a:extLst>
+          </a:blip>
+          <a:srcRect b="7716"/>
+          <a:stretch/>
+        </p:blipFill>
+        <p:spPr>
+          <a:xfrm rot="5400000">
+            <a:off x="11190150" y="2187188"/>
+            <a:ext cx="574879" cy="818518"/>
+          </a:xfrm>
+          <a:prstGeom prst="rect">
+            <a:avLst/>
+          </a:prstGeom>
+          <a:effectLst>
+            <a:outerShdw blurRad="50800" dist="38100" dir="2700000" algn="tl" rotWithShape="0">
+              <a:prstClr val="black">
+                <a:alpha val="40000"/>
+              </a:prstClr>
+            </a:outerShdw>
+          </a:effectLst>
+        </p:spPr>
+      </p:pic>
+      <p:sp>
+        <p:nvSpPr>
+          <p:cNvPr id="16" name="TextBox 15">
+            <a:extLst>
+              <a:ext uri="{FF2B5EF4-FFF2-40B4-BE49-F238E27FC236}">
+                <a16:creationId xmlns:a16="http://schemas.microsoft.com/office/drawing/2014/main" id="{09648A18-CB89-7041-8E9B-181ECEA1712B}"/>
+              </a:ext>
+            </a:extLst>
+          </p:cNvPr>
+          <p:cNvSpPr txBox="1"/>
+          <p:nvPr/>
+        </p:nvSpPr>
+        <p:spPr>
+          <a:xfrm rot="20551244">
+            <a:off x="-43589" y="2690090"/>
+            <a:ext cx="3509062" cy="1129155"/>
+          </a:xfrm>
+          <a:prstGeom prst="rect">
+            <a:avLst/>
+          </a:prstGeom>
+          <a:noFill/>
+          <a:effectLst>
+            <a:outerShdw blurRad="50800" dist="38100" dir="2700000" algn="tl" rotWithShape="0">
+              <a:prstClr val="black">
+                <a:alpha val="40000"/>
+              </a:prstClr>
+            </a:outerShdw>
+          </a:effectLst>
+        </p:spPr>
+        <p:txBody>
+          <a:bodyPr wrap="square" rtlCol="0">
+            <a:spAutoFit/>
+          </a:bodyPr>
+          <a:lstStyle/>
+          <a:p>
+            <a:pPr algn="ctr">
+              <a:lnSpc>
+                <a:spcPct val="130000"/>
+              </a:lnSpc>
+            </a:pPr>
+            <a:r>
+              <a:rPr lang="en-US" sz="5500" b="1" dirty="0">
+                <a:latin typeface="Chiller" panose="020F0502020204030204" pitchFamily="34" charset="0"/>
+                <a:cs typeface="Chiller" panose="020F0502020204030204" pitchFamily="34" charset="0"/>
+              </a:rPr>
+              <a:t>+ 1</a:t>
+            </a:r>
+          </a:p>
+        </p:txBody>
+      </p:sp>
+      <p:pic>
+        <p:nvPicPr>
+          <p:cNvPr id="18" name="Picture 17">
+            <a:extLst>
+              <a:ext uri="{FF2B5EF4-FFF2-40B4-BE49-F238E27FC236}">
+                <a16:creationId xmlns:a16="http://schemas.microsoft.com/office/drawing/2014/main" id="{020F293A-01DD-114C-AB80-44EA8B9B7254}"/>
+              </a:ext>
+            </a:extLst>
+          </p:cNvPr>
+          <p:cNvPicPr>
+            <a:picLocks noChangeAspect="1"/>
+          </p:cNvPicPr>
+          <p:nvPr/>
+        </p:nvPicPr>
+        <p:blipFill rotWithShape="1">
+          <a:blip r:embed="rId7">
+            <a:extLst>
+              <a:ext uri="{BEBA8EAE-BF5A-486C-A8C5-ECC9F3942E4B}">
+                <a14:imgProps xmlns:a14="http://schemas.microsoft.com/office/drawing/2010/main">
+                  <a14:imgLayer r:embed="rId11">
+                    <a14:imgEffect>
+                      <a14:backgroundRemoval t="8068" b="26070" l="7895" r="29988"/>
+                    </a14:imgEffect>
+                  </a14:imgLayer>
+                </a14:imgProps>
+              </a:ext>
+            </a:extLst>
+          </a:blip>
+          <a:srcRect l="5133" t="5818" r="67250" b="71680"/>
+          <a:stretch/>
+        </p:blipFill>
+        <p:spPr>
+          <a:xfrm>
+            <a:off x="638420" y="187933"/>
+            <a:ext cx="1233391" cy="394796"/>
+          </a:xfrm>
+          <a:prstGeom prst="rect">
+            <a:avLst/>
+          </a:prstGeom>
+          <a:effectLst>
+            <a:outerShdw blurRad="50800" dist="38100" dir="2700000" algn="tl" rotWithShape="0">
+              <a:prstClr val="black">
+                <a:alpha val="40000"/>
+              </a:prstClr>
+            </a:outerShdw>
+          </a:effectLst>
+        </p:spPr>
+      </p:pic>
+      <p:pic>
+        <p:nvPicPr>
+          <p:cNvPr id="20" name="Picture 19">
+            <a:extLst>
+              <a:ext uri="{FF2B5EF4-FFF2-40B4-BE49-F238E27FC236}">
+                <a16:creationId xmlns:a16="http://schemas.microsoft.com/office/drawing/2014/main" id="{47939213-8433-FE4D-BB93-936E130DC858}"/>
+              </a:ext>
+            </a:extLst>
+          </p:cNvPr>
+          <p:cNvPicPr>
+            <a:picLocks noChangeAspect="1"/>
+          </p:cNvPicPr>
+          <p:nvPr/>
+        </p:nvPicPr>
+        <p:blipFill rotWithShape="1">
+          <a:blip r:embed="rId12">
+            <a:extLst>
+              <a:ext uri="{BEBA8EAE-BF5A-486C-A8C5-ECC9F3942E4B}">
+                <a14:imgProps xmlns:a14="http://schemas.microsoft.com/office/drawing/2010/main">
+                  <a14:imgLayer r:embed="rId13">
+                    <a14:imgEffect>
+                      <a14:backgroundRemoval t="35612" b="60216" l="69769" r="93462">
+                        <a14:foregroundMark x1="69923" y1="47122" x2="69923" y2="47122"/>
+                        <a14:foregroundMark x1="93538" y1="49856" x2="93538" y2="49856"/>
+                        <a14:foregroundMark x1="81154" y1="60216" x2="81154" y2="60216"/>
+                      </a14:backgroundRemoval>
+                    </a14:imgEffect>
+                  </a14:imgLayer>
+                </a14:imgProps>
+              </a:ext>
+            </a:extLst>
+          </a:blip>
+          <a:srcRect l="68436" t="32709" r="3646" b="37322"/>
+          <a:stretch/>
+        </p:blipFill>
+        <p:spPr>
+          <a:xfrm>
+            <a:off x="2611709" y="943994"/>
+            <a:ext cx="345646" cy="396725"/>
+          </a:xfrm>
+          <a:prstGeom prst="rect">
+            <a:avLst/>
+          </a:prstGeom>
+          <a:effectLst>
+            <a:outerShdw blurRad="50800" dist="38100" dir="2700000" algn="tl" rotWithShape="0">
+              <a:prstClr val="black">
+                <a:alpha val="40000"/>
+              </a:prstClr>
+            </a:outerShdw>
+          </a:effectLst>
+        </p:spPr>
+      </p:pic>
+      <p:pic>
+        <p:nvPicPr>
+          <p:cNvPr id="29" name="Picture 28">
+            <a:extLst>
+              <a:ext uri="{FF2B5EF4-FFF2-40B4-BE49-F238E27FC236}">
+                <a16:creationId xmlns:a16="http://schemas.microsoft.com/office/drawing/2014/main" id="{165415F2-6B90-A643-9712-33879F554A02}"/>
+              </a:ext>
+            </a:extLst>
+          </p:cNvPr>
+          <p:cNvPicPr>
+            <a:picLocks noChangeAspect="1"/>
+          </p:cNvPicPr>
+          <p:nvPr/>
+        </p:nvPicPr>
+        <p:blipFill rotWithShape="1">
+          <a:blip r:embed="rId9">
+            <a:extLst>
+              <a:ext uri="{BEBA8EAE-BF5A-486C-A8C5-ECC9F3942E4B}">
+                <a14:imgProps xmlns:a14="http://schemas.microsoft.com/office/drawing/2010/main">
+                  <a14:imgLayer r:embed="rId14">
+                    <a14:imgEffect>
+                      <a14:backgroundRemoval t="1296" b="90741" l="10000" r="90000">
+                        <a14:foregroundMark x1="42857" y1="87037" x2="42857" y2="87037"/>
+                        <a14:foregroundMark x1="50571" y1="88056" x2="50571" y2="88056"/>
+                        <a14:foregroundMark x1="44286" y1="90741" x2="44286" y2="90741"/>
+                        <a14:foregroundMark x1="47143" y1="2685" x2="47143" y2="2685"/>
+                        <a14:foregroundMark x1="48143" y1="1296" x2="48143" y2="1296"/>
+                      </a14:backgroundRemoval>
+                    </a14:imgEffect>
+                    <a14:imgEffect>
+                      <a14:artisticPaintStrokes/>
+                    </a14:imgEffect>
+                  </a14:imgLayer>
+                </a14:imgProps>
+              </a:ext>
+            </a:extLst>
+          </a:blip>
+          <a:srcRect b="7716"/>
+          <a:stretch/>
+        </p:blipFill>
+        <p:spPr>
+          <a:xfrm rot="17465222">
+            <a:off x="2205078" y="834007"/>
+            <a:ext cx="302956" cy="431352"/>
+          </a:xfrm>
+          <a:prstGeom prst="rect">
+            <a:avLst/>
+          </a:prstGeom>
+          <a:effectLst>
+            <a:outerShdw blurRad="50800" dist="38100" dir="2700000" algn="tl" rotWithShape="0">
+              <a:prstClr val="black">
+                <a:alpha val="40000"/>
+              </a:prstClr>
+            </a:outerShdw>
+          </a:effectLst>
+        </p:spPr>
+      </p:pic>
+      <p:pic>
+        <p:nvPicPr>
+          <p:cNvPr id="30" name="Picture 29">
+            <a:extLst>
+              <a:ext uri="{FF2B5EF4-FFF2-40B4-BE49-F238E27FC236}">
+                <a16:creationId xmlns:a16="http://schemas.microsoft.com/office/drawing/2014/main" id="{37943580-D235-954A-912F-0F00F09F0A87}"/>
+              </a:ext>
+            </a:extLst>
+          </p:cNvPr>
+          <p:cNvPicPr>
+            <a:picLocks noChangeAspect="1"/>
+          </p:cNvPicPr>
+          <p:nvPr/>
+        </p:nvPicPr>
+        <p:blipFill rotWithShape="1">
+          <a:blip r:embed="rId7">
+            <a:extLst>
+              <a:ext uri="{BEBA8EAE-BF5A-486C-A8C5-ECC9F3942E4B}">
+                <a14:imgProps xmlns:a14="http://schemas.microsoft.com/office/drawing/2010/main">
+                  <a14:imgLayer r:embed="rId15">
+                    <a14:imgEffect>
+                      <a14:backgroundRemoval t="8068" b="26070" l="7895" r="29988"/>
+                    </a14:imgEffect>
+                  </a14:imgLayer>
+                </a14:imgProps>
+              </a:ext>
+            </a:extLst>
+          </a:blip>
+          <a:srcRect l="5133" t="5818" r="67250" b="71680"/>
+          <a:stretch/>
+        </p:blipFill>
+        <p:spPr>
+          <a:xfrm>
+            <a:off x="1541451" y="190205"/>
+            <a:ext cx="1233391" cy="394796"/>
+          </a:xfrm>
+          <a:prstGeom prst="rect">
+            <a:avLst/>
+          </a:prstGeom>
+          <a:effectLst>
+            <a:outerShdw blurRad="50800" dist="38100" dir="2700000" algn="tl" rotWithShape="0">
+              <a:prstClr val="black">
+                <a:alpha val="40000"/>
+              </a:prstClr>
+            </a:outerShdw>
+          </a:effectLst>
+        </p:spPr>
+      </p:pic>
+      <p:pic>
+        <p:nvPicPr>
+          <p:cNvPr id="31" name="Picture 30">
+            <a:extLst>
+              <a:ext uri="{FF2B5EF4-FFF2-40B4-BE49-F238E27FC236}">
+                <a16:creationId xmlns:a16="http://schemas.microsoft.com/office/drawing/2014/main" id="{67697F53-BAED-F048-A04B-B62EB18E235F}"/>
+              </a:ext>
+            </a:extLst>
+          </p:cNvPr>
+          <p:cNvPicPr>
+            <a:picLocks noChangeAspect="1"/>
+          </p:cNvPicPr>
+          <p:nvPr/>
+        </p:nvPicPr>
+        <p:blipFill rotWithShape="1">
+          <a:blip r:embed="rId7">
+            <a:extLst>
+              <a:ext uri="{BEBA8EAE-BF5A-486C-A8C5-ECC9F3942E4B}">
+                <a14:imgProps xmlns:a14="http://schemas.microsoft.com/office/drawing/2010/main">
+                  <a14:imgLayer r:embed="rId16">
+                    <a14:imgEffect>
+                      <a14:backgroundRemoval t="8068" b="26070" l="7895" r="29988"/>
+                    </a14:imgEffect>
+                  </a14:imgLayer>
+                </a14:imgProps>
+              </a:ext>
+            </a:extLst>
+          </a:blip>
+          <a:srcRect l="5133" t="5818" r="67250" b="71680"/>
+          <a:stretch/>
+        </p:blipFill>
+        <p:spPr>
+          <a:xfrm>
+            <a:off x="1202530" y="451789"/>
+            <a:ext cx="1233391" cy="394796"/>
+          </a:xfrm>
+          <a:prstGeom prst="rect">
+            <a:avLst/>
+          </a:prstGeom>
+          <a:effectLst>
+            <a:outerShdw blurRad="50800" dist="38100" dir="2700000" algn="tl" rotWithShape="0">
+              <a:prstClr val="black">
+                <a:alpha val="40000"/>
+              </a:prstClr>
+            </a:outerShdw>
+          </a:effectLst>
+        </p:spPr>
+      </p:pic>
+    </p:spTree>
+    <p:extLst>
+      <p:ext uri="{BB962C8B-B14F-4D97-AF65-F5344CB8AC3E}">
+        <p14:creationId xmlns:p14="http://schemas.microsoft.com/office/powerpoint/2010/main" val="3070702298"/>
+      </p:ext>
+    </p:extLst>
+  </p:cSld>
+  <p:clrMapOvr>
+    <a:masterClrMapping/>
+  </p:clrMapOvr>
+</p:sld>
+</file>
+
+<file path=ppt/slides/slide3.xml><?xml version="1.0" encoding="utf-8"?>
+<p:sld xmlns:a="http://schemas.openxmlformats.org/drawingml/2006/main" xmlns:r="http://schemas.openxmlformats.org/officeDocument/2006/relationships" xmlns:p="http://schemas.openxmlformats.org/presentationml/2006/main">
+  <p:cSld>
+    <p:spTree>
+      <p:nvGrpSpPr>
+        <p:cNvPr id="1" name=""/>
+        <p:cNvGrpSpPr/>
+        <p:nvPr/>
+      </p:nvGrpSpPr>
+      <p:grpSpPr>
+        <a:xfrm>
+          <a:off x="0" y="0"/>
+          <a:ext cx="0" cy="0"/>
+          <a:chOff x="0" y="0"/>
+          <a:chExt cx="0" cy="0"/>
+        </a:xfrm>
+      </p:grpSpPr>
+      <p:grpSp>
+        <p:nvGrpSpPr>
+          <p:cNvPr id="22" name="Group 21">
+            <a:extLst>
+              <a:ext uri="{FF2B5EF4-FFF2-40B4-BE49-F238E27FC236}">
+                <a16:creationId xmlns:a16="http://schemas.microsoft.com/office/drawing/2014/main" id="{1313D2EB-1357-2B48-A41C-64557C2B925B}"/>
+              </a:ext>
+            </a:extLst>
+          </p:cNvPr>
+          <p:cNvGrpSpPr>
+            <a:grpSpLocks noChangeAspect="1"/>
+          </p:cNvGrpSpPr>
+          <p:nvPr/>
+        </p:nvGrpSpPr>
+        <p:grpSpPr>
+          <a:xfrm flipH="1">
+            <a:off x="3485474" y="54592"/>
+            <a:ext cx="4976138" cy="4225801"/>
+            <a:chOff x="558965" y="2340234"/>
+            <a:chExt cx="4071463" cy="3491488"/>
+          </a:xfrm>
+        </p:grpSpPr>
+        <p:pic>
+          <p:nvPicPr>
+            <p:cNvPr id="23" name="Picture 22">
+              <a:extLst>
+                <a:ext uri="{FF2B5EF4-FFF2-40B4-BE49-F238E27FC236}">
+                  <a16:creationId xmlns:a16="http://schemas.microsoft.com/office/drawing/2014/main" id="{449E6FDB-0CD7-3D4C-9EAA-4F71E5C11D58}"/>
+                </a:ext>
+              </a:extLst>
+            </p:cNvPr>
+            <p:cNvPicPr>
+              <a:picLocks noChangeAspect="1"/>
+            </p:cNvPicPr>
+            <p:nvPr/>
+          </p:nvPicPr>
+          <p:blipFill>
+            <a:blip r:embed="rId2">
+              <a:extLst>
+                <a:ext uri="{BEBA8EAE-BF5A-486C-A8C5-ECC9F3942E4B}">
+                  <a14:imgProps xmlns:a14="http://schemas.microsoft.com/office/drawing/2010/main">
+                    <a14:imgLayer r:embed="rId3">
+                      <a14:imgEffect>
+                        <a14:backgroundRemoval t="1423" b="91667" l="1667" r="95667"/>
+                      </a14:imgEffect>
+                    </a14:imgLayer>
+                  </a14:imgProps>
+                </a:ext>
+              </a:extLst>
+            </a:blip>
+            <a:stretch>
+              <a:fillRect/>
+            </a:stretch>
+          </p:blipFill>
+          <p:spPr>
+            <a:xfrm flipH="1">
+              <a:off x="558965" y="2340234"/>
+              <a:ext cx="4071463" cy="3491488"/>
+            </a:xfrm>
+            <a:prstGeom prst="rect">
+              <a:avLst/>
+            </a:prstGeom>
+          </p:spPr>
+        </p:pic>
+        <p:pic>
+          <p:nvPicPr>
+            <p:cNvPr id="24" name="Picture 23">
+              <a:extLst>
+                <a:ext uri="{FF2B5EF4-FFF2-40B4-BE49-F238E27FC236}">
+                  <a16:creationId xmlns:a16="http://schemas.microsoft.com/office/drawing/2014/main" id="{86FE3D1E-FBE6-6A48-BEFF-08844E884485}"/>
+                </a:ext>
+              </a:extLst>
+            </p:cNvPr>
+            <p:cNvPicPr>
+              <a:picLocks noChangeAspect="1"/>
+            </p:cNvPicPr>
+            <p:nvPr/>
+          </p:nvPicPr>
+          <p:blipFill rotWithShape="1">
+            <a:blip r:embed="rId4"/>
+            <a:srcRect b="33475"/>
+            <a:stretch/>
+          </p:blipFill>
+          <p:spPr>
+            <a:xfrm rot="4404084">
+              <a:off x="3617916" y="3541110"/>
+              <a:ext cx="798766" cy="618648"/>
+            </a:xfrm>
+            <a:prstGeom prst="rect">
+              <a:avLst/>
+            </a:prstGeom>
+            <a:effectLst>
+              <a:outerShdw blurRad="50800" dist="38100" dir="2700000" algn="tl" rotWithShape="0">
+                <a:prstClr val="black">
+                  <a:alpha val="40000"/>
+                </a:prstClr>
+              </a:outerShdw>
+            </a:effectLst>
+          </p:spPr>
+        </p:pic>
+        <p:pic>
+          <p:nvPicPr>
+            <p:cNvPr id="25" name="Picture 24">
+              <a:extLst>
+                <a:ext uri="{FF2B5EF4-FFF2-40B4-BE49-F238E27FC236}">
+                  <a16:creationId xmlns:a16="http://schemas.microsoft.com/office/drawing/2014/main" id="{2FBDFAE6-9007-8F4D-9390-E8570B17F07D}"/>
+                </a:ext>
+              </a:extLst>
+            </p:cNvPr>
+            <p:cNvPicPr>
+              <a:picLocks noChangeAspect="1"/>
+            </p:cNvPicPr>
+            <p:nvPr/>
+          </p:nvPicPr>
+          <p:blipFill rotWithShape="1">
+            <a:blip r:embed="rId4"/>
+            <a:srcRect b="33475"/>
+            <a:stretch/>
+          </p:blipFill>
+          <p:spPr>
+            <a:xfrm rot="4478905" flipH="1" flipV="1">
+              <a:off x="3298504" y="3595315"/>
+              <a:ext cx="798718" cy="618609"/>
+            </a:xfrm>
+            <a:prstGeom prst="rect">
+              <a:avLst/>
+            </a:prstGeom>
+            <a:effectLst>
+              <a:outerShdw blurRad="50800" dist="38100" dir="2700000" algn="tl" rotWithShape="0">
+                <a:prstClr val="black">
+                  <a:alpha val="40000"/>
+                </a:prstClr>
+              </a:outerShdw>
+            </a:effectLst>
+          </p:spPr>
+        </p:pic>
+        <p:pic>
+          <p:nvPicPr>
+            <p:cNvPr id="26" name="Picture 25">
+              <a:extLst>
+                <a:ext uri="{FF2B5EF4-FFF2-40B4-BE49-F238E27FC236}">
+                  <a16:creationId xmlns:a16="http://schemas.microsoft.com/office/drawing/2014/main" id="{605CFEB9-88EF-B243-ABBE-D930C52C554E}"/>
+                </a:ext>
+              </a:extLst>
+            </p:cNvPr>
+            <p:cNvPicPr>
+              <a:picLocks noChangeAspect="1"/>
+            </p:cNvPicPr>
+            <p:nvPr/>
+          </p:nvPicPr>
+          <p:blipFill rotWithShape="1">
+            <a:blip r:embed="rId4"/>
+            <a:srcRect b="33475"/>
+            <a:stretch/>
+          </p:blipFill>
+          <p:spPr>
+            <a:xfrm rot="3579618">
+              <a:off x="2455923" y="3804985"/>
+              <a:ext cx="621960" cy="486662"/>
+            </a:xfrm>
+            <a:prstGeom prst="rect">
+              <a:avLst/>
+            </a:prstGeom>
+            <a:effectLst>
+              <a:outerShdw blurRad="50800" dist="38100" dir="2700000" algn="tl" rotWithShape="0">
+                <a:prstClr val="black">
+                  <a:alpha val="40000"/>
+                </a:prstClr>
+              </a:outerShdw>
+            </a:effectLst>
+          </p:spPr>
+        </p:pic>
+        <p:pic>
+          <p:nvPicPr>
+            <p:cNvPr id="27" name="Picture 26">
+              <a:extLst>
+                <a:ext uri="{FF2B5EF4-FFF2-40B4-BE49-F238E27FC236}">
+                  <a16:creationId xmlns:a16="http://schemas.microsoft.com/office/drawing/2014/main" id="{6BCE1DAA-BB2D-7149-8E0E-E13C993CBDE5}"/>
+                </a:ext>
+              </a:extLst>
+            </p:cNvPr>
+            <p:cNvPicPr>
+              <a:picLocks noChangeAspect="1"/>
+            </p:cNvPicPr>
+            <p:nvPr/>
+          </p:nvPicPr>
+          <p:blipFill rotWithShape="1">
+            <a:blip r:embed="rId4"/>
+            <a:srcRect b="33475"/>
+            <a:stretch/>
+          </p:blipFill>
+          <p:spPr>
+            <a:xfrm rot="3654439" flipH="1" flipV="1">
+              <a:off x="2192411" y="3887754"/>
+              <a:ext cx="621923" cy="486632"/>
+            </a:xfrm>
+            <a:prstGeom prst="rect">
+              <a:avLst/>
+            </a:prstGeom>
+            <a:effectLst>
+              <a:outerShdw blurRad="50800" dist="38100" dir="2700000" algn="tl" rotWithShape="0">
+                <a:prstClr val="black">
+                  <a:alpha val="40000"/>
+                </a:prstClr>
+              </a:outerShdw>
+            </a:effectLst>
+          </p:spPr>
+        </p:pic>
+        <p:pic>
+          <p:nvPicPr>
+            <p:cNvPr id="28" name="Picture 27">
+              <a:extLst>
+                <a:ext uri="{FF2B5EF4-FFF2-40B4-BE49-F238E27FC236}">
+                  <a16:creationId xmlns:a16="http://schemas.microsoft.com/office/drawing/2014/main" id="{31CF3FBB-A15D-EA42-8856-52AD2A1FE736}"/>
+                </a:ext>
+              </a:extLst>
+            </p:cNvPr>
+            <p:cNvPicPr>
+              <a:picLocks noChangeAspect="1"/>
+            </p:cNvPicPr>
+            <p:nvPr/>
+          </p:nvPicPr>
+          <p:blipFill rotWithShape="1">
+            <a:blip r:embed="rId4"/>
+            <a:srcRect b="44933"/>
+            <a:stretch/>
+          </p:blipFill>
+          <p:spPr>
+            <a:xfrm rot="10800000" flipV="1">
+              <a:off x="2958395" y="3741034"/>
+              <a:ext cx="464368" cy="379202"/>
+            </a:xfrm>
+            <a:prstGeom prst="rect">
+              <a:avLst/>
+            </a:prstGeom>
+            <a:effectLst>
+              <a:outerShdw blurRad="50800" dist="38100" dir="2700000" algn="tl" rotWithShape="0">
+                <a:prstClr val="black">
+                  <a:alpha val="40000"/>
+                </a:prstClr>
+              </a:outerShdw>
+            </a:effectLst>
+          </p:spPr>
+        </p:pic>
+      </p:grpSp>
+    </p:spTree>
+    <p:extLst>
+      <p:ext uri="{BB962C8B-B14F-4D97-AF65-F5344CB8AC3E}">
+        <p14:creationId xmlns:p14="http://schemas.microsoft.com/office/powerpoint/2010/main" val="572643445"/>
       </p:ext>
     </p:extLst>
   </p:cSld>

--- a/diagram/rl_diagram.pptx
+++ b/diagram/rl_diagram.pptx
@@ -4138,7 +4138,7 @@
             <a:extLst>
               <a:ext uri="{BEBA8EAE-BF5A-486C-A8C5-ECC9F3942E4B}">
                 <a14:imgProps xmlns:a14="http://schemas.microsoft.com/office/drawing/2010/main">
-                  <a14:imgLayer r:embed="rId16">
+                  <a14:imgLayer r:embed="rId15">
                     <a14:imgEffect>
                       <a14:backgroundRemoval t="8068" b="26070" l="7895" r="29988"/>
                     </a14:imgEffect>
@@ -4212,9 +4212,9 @@
           <p:nvPr/>
         </p:nvGrpSpPr>
         <p:grpSpPr>
-          <a:xfrm flipH="1">
-            <a:off x="3485474" y="54592"/>
-            <a:ext cx="4976138" cy="4225801"/>
+          <a:xfrm>
+            <a:off x="3554937" y="58033"/>
+            <a:ext cx="4972334" cy="4225801"/>
             <a:chOff x="558965" y="2340234"/>
             <a:chExt cx="4071463" cy="3491488"/>
           </a:xfrm>
@@ -4259,6 +4259,13 @@
             <a:prstGeom prst="rect">
               <a:avLst/>
             </a:prstGeom>
+            <a:effectLst>
+              <a:outerShdw blurRad="50800" dist="38100" dir="2700000" algn="tl" rotWithShape="0">
+                <a:prstClr val="black">
+                  <a:alpha val="40000"/>
+                </a:prstClr>
+              </a:outerShdw>
+            </a:effectLst>
           </p:spPr>
         </p:pic>
         <p:pic>
@@ -4442,6 +4449,280 @@
           </p:spPr>
         </p:pic>
       </p:grpSp>
+      <p:sp>
+        <p:nvSpPr>
+          <p:cNvPr id="29" name="TextBox 28">
+            <a:extLst>
+              <a:ext uri="{FF2B5EF4-FFF2-40B4-BE49-F238E27FC236}">
+                <a16:creationId xmlns:a16="http://schemas.microsoft.com/office/drawing/2014/main" id="{27AA5ADD-F86A-C643-ADB2-1A693667B0FF}"/>
+              </a:ext>
+            </a:extLst>
+          </p:cNvPr>
+          <p:cNvSpPr txBox="1"/>
+          <p:nvPr/>
+        </p:nvSpPr>
+        <p:spPr>
+          <a:xfrm>
+            <a:off x="-160302" y="1036633"/>
+            <a:ext cx="3509062" cy="1780937"/>
+          </a:xfrm>
+          <a:prstGeom prst="rect">
+            <a:avLst/>
+          </a:prstGeom>
+          <a:noFill/>
+        </p:spPr>
+        <p:txBody>
+          <a:bodyPr wrap="square" rtlCol="0">
+            <a:spAutoFit/>
+          </a:bodyPr>
+          <a:lstStyle/>
+          <a:p>
+            <a:pPr algn="r">
+              <a:lnSpc>
+                <a:spcPct val="130000"/>
+              </a:lnSpc>
+            </a:pPr>
+            <a:r>
+              <a:rPr lang="en-US" sz="3400" dirty="0">
+                <a:latin typeface="Avenir Book" panose="02000503020000020003" pitchFamily="2" charset="0"/>
+                <a:cs typeface="Avenir Book"/>
+              </a:rPr>
+              <a:t>Base System</a:t>
+            </a:r>
+            <a:endParaRPr lang="en-US" sz="3400" dirty="0">
+              <a:latin typeface="Avenir Book" panose="02000503020000020003" pitchFamily="2" charset="0"/>
+            </a:endParaRPr>
+          </a:p>
+          <a:p>
+            <a:pPr algn="r">
+              <a:lnSpc>
+                <a:spcPct val="130000"/>
+              </a:lnSpc>
+            </a:pPr>
+            <a:r>
+              <a:rPr lang="en-US" sz="2600" dirty="0">
+                <a:solidFill>
+                  <a:schemeClr val="tx1">
+                    <a:lumMod val="75000"/>
+                    <a:lumOff val="25000"/>
+                  </a:schemeClr>
+                </a:solidFill>
+                <a:latin typeface="Avenir Book" panose="02000503020000020003" pitchFamily="2" charset="0"/>
+                <a:cs typeface="Avenir Book"/>
+              </a:rPr>
+              <a:t>Dopamine neurons</a:t>
+            </a:r>
+          </a:p>
+          <a:p>
+            <a:pPr algn="r">
+              <a:lnSpc>
+                <a:spcPct val="130000"/>
+              </a:lnSpc>
+            </a:pPr>
+            <a:r>
+              <a:rPr lang="en-US" sz="2600" i="1" dirty="0">
+                <a:solidFill>
+                  <a:schemeClr val="tx1">
+                    <a:lumMod val="75000"/>
+                    <a:lumOff val="25000"/>
+                  </a:schemeClr>
+                </a:solidFill>
+                <a:latin typeface="Avenir Book" panose="02000503020000020003" pitchFamily="2" charset="0"/>
+                <a:cs typeface="Avenir Book"/>
+              </a:rPr>
+              <a:t>Stable over time</a:t>
+            </a:r>
+          </a:p>
+        </p:txBody>
+      </p:sp>
+      <p:sp>
+        <p:nvSpPr>
+          <p:cNvPr id="30" name="TextBox 29">
+            <a:extLst>
+              <a:ext uri="{FF2B5EF4-FFF2-40B4-BE49-F238E27FC236}">
+                <a16:creationId xmlns:a16="http://schemas.microsoft.com/office/drawing/2014/main" id="{459C5207-0665-E543-BCA7-140CBAC90E57}"/>
+              </a:ext>
+            </a:extLst>
+          </p:cNvPr>
+          <p:cNvSpPr txBox="1"/>
+          <p:nvPr/>
+        </p:nvSpPr>
+        <p:spPr>
+          <a:xfrm>
+            <a:off x="8835654" y="1036632"/>
+            <a:ext cx="3509062" cy="1780937"/>
+          </a:xfrm>
+          <a:prstGeom prst="rect">
+            <a:avLst/>
+          </a:prstGeom>
+          <a:noFill/>
+        </p:spPr>
+        <p:txBody>
+          <a:bodyPr wrap="square" rtlCol="0">
+            <a:spAutoFit/>
+          </a:bodyPr>
+          <a:lstStyle/>
+          <a:p>
+            <a:pPr>
+              <a:lnSpc>
+                <a:spcPct val="130000"/>
+              </a:lnSpc>
+            </a:pPr>
+            <a:r>
+              <a:rPr lang="en-US" sz="3400" dirty="0">
+                <a:latin typeface="Avenir Book" panose="02000503020000020003" pitchFamily="2" charset="0"/>
+                <a:cs typeface="Avenir Book"/>
+              </a:rPr>
+              <a:t>Meta System</a:t>
+            </a:r>
+            <a:endParaRPr lang="en-US" sz="3400" dirty="0">
+              <a:latin typeface="Avenir Book" panose="02000503020000020003" pitchFamily="2" charset="0"/>
+            </a:endParaRPr>
+          </a:p>
+          <a:p>
+            <a:pPr>
+              <a:lnSpc>
+                <a:spcPct val="130000"/>
+              </a:lnSpc>
+            </a:pPr>
+            <a:r>
+              <a:rPr lang="en-US" sz="2600" dirty="0">
+                <a:solidFill>
+                  <a:schemeClr val="tx1">
+                    <a:lumMod val="75000"/>
+                    <a:lumOff val="25000"/>
+                  </a:schemeClr>
+                </a:solidFill>
+                <a:latin typeface="Avenir Book" panose="02000503020000020003" pitchFamily="2" charset="0"/>
+                <a:cs typeface="Avenir Book"/>
+              </a:rPr>
+              <a:t>Prefrontal cortex</a:t>
+            </a:r>
+          </a:p>
+          <a:p>
+            <a:pPr>
+              <a:lnSpc>
+                <a:spcPct val="130000"/>
+              </a:lnSpc>
+            </a:pPr>
+            <a:r>
+              <a:rPr lang="en-US" sz="2600" i="1" dirty="0">
+                <a:solidFill>
+                  <a:schemeClr val="tx1">
+                    <a:lumMod val="75000"/>
+                    <a:lumOff val="25000"/>
+                  </a:schemeClr>
+                </a:solidFill>
+                <a:latin typeface="Avenir Book" panose="02000503020000020003" pitchFamily="2" charset="0"/>
+                <a:cs typeface="Avenir Book"/>
+              </a:rPr>
+              <a:t>Flexible &amp; dynamic</a:t>
+            </a:r>
+          </a:p>
+        </p:txBody>
+      </p:sp>
+      <p:cxnSp>
+        <p:nvCxnSpPr>
+          <p:cNvPr id="7" name="Straight Connector 6">
+            <a:extLst>
+              <a:ext uri="{FF2B5EF4-FFF2-40B4-BE49-F238E27FC236}">
+                <a16:creationId xmlns:a16="http://schemas.microsoft.com/office/drawing/2014/main" id="{214763C9-5BC7-114E-AF72-A12EFB0ECA77}"/>
+              </a:ext>
+            </a:extLst>
+          </p:cNvPr>
+          <p:cNvCxnSpPr>
+            <a:cxnSpLocks/>
+          </p:cNvCxnSpPr>
+          <p:nvPr/>
+        </p:nvCxnSpPr>
+        <p:spPr>
+          <a:xfrm flipH="1" flipV="1">
+            <a:off x="3526396" y="2057400"/>
+            <a:ext cx="2176272" cy="210192"/>
+          </a:xfrm>
+          <a:prstGeom prst="line">
+            <a:avLst/>
+          </a:prstGeom>
+          <a:ln w="19050">
+            <a:solidFill>
+              <a:schemeClr val="tx1"/>
+            </a:solidFill>
+            <a:tailEnd type="oval"/>
+          </a:ln>
+          <a:effectLst>
+            <a:outerShdw blurRad="50800" dist="38100" dir="2700000" algn="tl" rotWithShape="0">
+              <a:prstClr val="black">
+                <a:alpha val="40000"/>
+              </a:prstClr>
+            </a:outerShdw>
+          </a:effectLst>
+        </p:spPr>
+        <p:style>
+          <a:lnRef idx="1">
+            <a:schemeClr val="accent1"/>
+          </a:lnRef>
+          <a:fillRef idx="0">
+            <a:schemeClr val="accent1"/>
+          </a:fillRef>
+          <a:effectRef idx="0">
+            <a:schemeClr val="accent1"/>
+          </a:effectRef>
+          <a:fontRef idx="minor">
+            <a:schemeClr val="tx1"/>
+          </a:fontRef>
+        </p:style>
+      </p:cxnSp>
+      <p:cxnSp>
+        <p:nvCxnSpPr>
+          <p:cNvPr id="32" name="Straight Connector 31">
+            <a:extLst>
+              <a:ext uri="{FF2B5EF4-FFF2-40B4-BE49-F238E27FC236}">
+                <a16:creationId xmlns:a16="http://schemas.microsoft.com/office/drawing/2014/main" id="{2E028DA5-D74E-534F-9B16-C8CBD1EDAC82}"/>
+              </a:ext>
+            </a:extLst>
+          </p:cNvPr>
+          <p:cNvCxnSpPr>
+            <a:cxnSpLocks/>
+          </p:cNvCxnSpPr>
+          <p:nvPr/>
+        </p:nvCxnSpPr>
+        <p:spPr>
+          <a:xfrm flipV="1">
+            <a:off x="8002974" y="2007772"/>
+            <a:ext cx="630936" cy="163161"/>
+          </a:xfrm>
+          <a:prstGeom prst="line">
+            <a:avLst/>
+          </a:prstGeom>
+          <a:ln w="19050">
+            <a:solidFill>
+              <a:schemeClr val="tx1"/>
+            </a:solidFill>
+            <a:tailEnd type="oval"/>
+          </a:ln>
+          <a:effectLst>
+            <a:outerShdw blurRad="50800" dist="38100" dir="2700000" algn="tl" rotWithShape="0">
+              <a:prstClr val="black">
+                <a:alpha val="40000"/>
+              </a:prstClr>
+            </a:outerShdw>
+          </a:effectLst>
+        </p:spPr>
+        <p:style>
+          <a:lnRef idx="1">
+            <a:schemeClr val="accent1"/>
+          </a:lnRef>
+          <a:fillRef idx="0">
+            <a:schemeClr val="accent1"/>
+          </a:fillRef>
+          <a:effectRef idx="0">
+            <a:schemeClr val="accent1"/>
+          </a:effectRef>
+          <a:fontRef idx="minor">
+            <a:schemeClr val="tx1"/>
+          </a:fontRef>
+        </p:style>
+      </p:cxnSp>
     </p:spTree>
     <p:extLst>
       <p:ext uri="{BB962C8B-B14F-4D97-AF65-F5344CB8AC3E}">
